--- a/clean-code-black.pptx
+++ b/clean-code-black.pptx
@@ -5021,7 +5021,7 @@
           <a:p>
             <a:fld id="{CE3BC3F9-9C5B-4717-9F59-36DC790402FE}" type="datetimeFigureOut">
               <a:rPr lang="ru-RU" smtClean="0"/>
-              <a:t>15.09.2022</a:t>
+              <a:t>24.05.2023</a:t>
             </a:fld>
             <a:endParaRPr lang="ru-RU"/>
           </a:p>
@@ -5186,7 +5186,7 @@
           <a:p>
             <a:fld id="{BBBAA9EB-8042-420D-843C-EBFC35DD9FFD}" type="datetimeFigureOut">
               <a:rPr lang="ru-RU" smtClean="0"/>
-              <a:t>15.09.2022</a:t>
+              <a:t>24.05.2023</a:t>
             </a:fld>
             <a:endParaRPr lang="ru-RU"/>
           </a:p>
@@ -21273,25 +21273,7 @@
               <a:rPr lang="en-US" sz="2000" smtClean="0">
                 <a:latin typeface="Consolas" panose="020B0609020204030204" pitchFamily="49" charset="0"/>
               </a:rPr>
-              <a:t>d</a:t>
-            </a:r>
-            <a:r>
-              <a:rPr lang="en-US" sz="2000" smtClean="0">
-                <a:latin typeface="Consolas" panose="020B0609020204030204" pitchFamily="49" charset="0"/>
-              </a:rPr>
-              <a:t>ef read_field(</a:t>
-            </a:r>
-            <a:r>
-              <a:rPr lang="en-US" sz="2000" smtClean="0">
-                <a:latin typeface="Consolas" panose="020B0609020204030204" pitchFamily="49" charset="0"/>
-              </a:rPr>
-              <a:t>field</a:t>
-            </a:r>
-            <a:r>
-              <a:rPr lang="en-US" sz="2000" smtClean="0">
-                <a:latin typeface="Consolas" panose="020B0609020204030204" pitchFamily="49" charset="0"/>
-              </a:rPr>
-              <a:t>): ...</a:t>
+              <a:t>def read_field(field): ...</a:t>
             </a:r>
             <a:r>
               <a:rPr lang="ru-RU" sz="2000" smtClean="0">
@@ -21393,18 +21375,7 @@
                 </a:solidFill>
                 <a:latin typeface="Consolas" panose="020B0609020204030204" pitchFamily="49" charset="0"/>
               </a:rPr>
-              <a:t>не лучша</a:t>
-            </a:r>
-            <a:r>
-              <a:rPr lang="ru-RU" sz="2000" smtClean="0">
-                <a:solidFill>
-                  <a:schemeClr val="tx1">
-                    <a:lumMod val="50000"/>
-                  </a:schemeClr>
-                </a:solidFill>
-                <a:latin typeface="Consolas" panose="020B0609020204030204" pitchFamily="49" charset="0"/>
-              </a:rPr>
-              <a:t>я практика, но допустимо</a:t>
+              <a:t>не лучшая практика, но допустимо</a:t>
             </a:r>
             <a:endParaRPr lang="en-US" sz="2000" smtClean="0">
               <a:solidFill>
@@ -21457,13 +21428,7 @@
               <a:rPr lang="en-US" sz="2000" smtClean="0">
                 <a:latin typeface="Consolas" panose="020B0609020204030204" pitchFamily="49" charset="0"/>
               </a:rPr>
-              <a:t>i</a:t>
-            </a:r>
-            <a:r>
-              <a:rPr lang="en-US" sz="2000" smtClean="0">
-                <a:latin typeface="Consolas" panose="020B0609020204030204" pitchFamily="49" charset="0"/>
-              </a:rPr>
-              <a:t>s_inn() </a:t>
+              <a:t>is_inn() </a:t>
             </a:r>
             <a:r>
               <a:rPr lang="en-US" sz="2000" smtClean="0">
@@ -22483,25 +22448,7 @@
               <a:rPr lang="en-US" sz="2400" smtClean="0">
                 <a:latin typeface="Consolas" panose="020B0609020204030204" pitchFamily="49" charset="0"/>
               </a:rPr>
-              <a:t>a</a:t>
-            </a:r>
-            <a:r>
-              <a:rPr lang="en-US" sz="2400" smtClean="0">
-                <a:latin typeface="Consolas" panose="020B0609020204030204" pitchFamily="49" charset="0"/>
-              </a:rPr>
-              <a:t>rray[shift_size</a:t>
-            </a:r>
-            <a:r>
-              <a:rPr lang="en-US" sz="2400" smtClean="0">
-                <a:latin typeface="Consolas" panose="020B0609020204030204" pitchFamily="49" charset="0"/>
-              </a:rPr>
-              <a:t>:</a:t>
-            </a:r>
-            <a:r>
-              <a:rPr lang="en-US" sz="2400" smtClean="0">
-                <a:latin typeface="Consolas" panose="020B0609020204030204" pitchFamily="49" charset="0"/>
-              </a:rPr>
-              <a:t>] + array[:shift_size]</a:t>
+              <a:t>array[shift_size:] + array[:shift_size]</a:t>
             </a:r>
             <a:endParaRPr lang="en-US" sz="2400">
               <a:latin typeface="Consolas" panose="020B0609020204030204" pitchFamily="49" charset="0"/>
@@ -28733,13 +28680,7 @@
               <a:rPr lang="en-US" sz="2200">
                 <a:latin typeface="Consolas" panose="020B0609020204030204" pitchFamily="49" charset="0"/>
               </a:rPr>
-              <a:t>not </a:t>
-            </a:r>
-            <a:r>
-              <a:rPr lang="en-US" sz="2200">
-                <a:latin typeface="Consolas" panose="020B0609020204030204" pitchFamily="49" charset="0"/>
-              </a:rPr>
-              <a:t>full</a:t>
+              <a:t>not full</a:t>
             </a:r>
             <a:r>
               <a:rPr lang="en-US" sz="2200" smtClean="0">
@@ -28816,13 +28757,7 @@
               <a:rPr lang="en-US" sz="2200">
                 <a:latin typeface="Consolas" panose="020B0609020204030204" pitchFamily="49" charset="0"/>
               </a:rPr>
-              <a:t>][x] </a:t>
-            </a:r>
-            <a:r>
-              <a:rPr lang="en-US" sz="2200">
-                <a:latin typeface="Consolas" panose="020B0609020204030204" pitchFamily="49" charset="0"/>
-              </a:rPr>
-              <a:t>= </a:t>
+              <a:t>][x] = </a:t>
             </a:r>
             <a:r>
               <a:rPr lang="en-US" sz="2200" smtClean="0">
@@ -28881,9 +28816,6 @@
               </a:rPr>
               <a:t>][x] = False</a:t>
             </a:r>
-            <a:endParaRPr lang="en-US" sz="2200">
-              <a:latin typeface="Consolas" panose="020B0609020204030204" pitchFamily="49" charset="0"/>
-            </a:endParaRPr>
           </a:p>
         </p:txBody>
       </p:sp>
@@ -30416,9 +30348,6 @@
               </a:rPr>
               <a:t>+= 1</a:t>
             </a:r>
-            <a:endParaRPr lang="en-US" sz="2800">
-              <a:latin typeface="Consolas" panose="020B0609020204030204" pitchFamily="49" charset="0"/>
-            </a:endParaRPr>
           </a:p>
         </p:txBody>
       </p:sp>
@@ -32195,13 +32124,7 @@
               <a:rPr lang="en-US" sz="2400" smtClean="0">
                 <a:latin typeface="Consolas" panose="020B0609020204030204" pitchFamily="49" charset="0"/>
               </a:rPr>
-              <a:t>ef c</a:t>
-            </a:r>
-            <a:r>
-              <a:rPr lang="en-US" sz="2400" smtClean="0">
-                <a:latin typeface="Consolas" panose="020B0609020204030204" pitchFamily="49" charset="0"/>
-              </a:rPr>
-              <a:t>lear_full_lines():</a:t>
+              <a:t>ef clear_full_lines(self):</a:t>
             </a:r>
             <a:r>
               <a:rPr lang="en-US" sz="2400">
@@ -32300,19 +32223,7 @@
               <a:rPr lang="en-US" sz="2400" smtClean="0">
                 <a:latin typeface="Consolas" panose="020B0609020204030204" pitchFamily="49" charset="0"/>
               </a:rPr>
-              <a:t>self.</a:t>
-            </a:r>
-            <a:r>
-              <a:rPr lang="en-US" sz="2400" smtClean="0">
-                <a:latin typeface="Consolas" panose="020B0609020204030204" pitchFamily="49" charset="0"/>
-              </a:rPr>
-              <a:t>c</a:t>
-            </a:r>
-            <a:r>
-              <a:rPr lang="en-US" sz="2400" smtClean="0">
-                <a:latin typeface="Consolas" panose="020B0609020204030204" pitchFamily="49" charset="0"/>
-              </a:rPr>
-              <a:t>reate_new_lines_array</a:t>
+              <a:t>self.create_new_lines_array</a:t>
             </a:r>
             <a:r>
               <a:rPr lang="en-US" sz="2400">
@@ -32400,12 +32311,6 @@
               </a:rPr>
               <a:t>, </a:t>
             </a:r>
-            <a:r>
-              <a:rPr lang="en-US" sz="2400">
-                <a:latin typeface="Consolas" panose="020B0609020204030204" pitchFamily="49" charset="0"/>
-              </a:rPr>
-              <a:t/>
-            </a:r>
             <a:br>
               <a:rPr lang="en-US" sz="2400">
                 <a:latin typeface="Consolas" panose="020B0609020204030204" pitchFamily="49" charset="0"/>
@@ -32415,13 +32320,7 @@
               <a:rPr lang="en-US" sz="2400" smtClean="0">
                 <a:latin typeface="Consolas" panose="020B0609020204030204" pitchFamily="49" charset="0"/>
               </a:rPr>
-              <a:t>      </a:t>
-            </a:r>
-            <a:r>
-              <a:rPr lang="en-US" sz="2400" smtClean="0">
-                <a:latin typeface="Consolas" panose="020B0609020204030204" pitchFamily="49" charset="0"/>
-              </a:rPr>
-              <a:t>self.height, </a:t>
+              <a:t>      self.height, </a:t>
             </a:r>
             <a:br>
               <a:rPr lang="en-US" sz="2400" smtClean="0">
@@ -32440,12 +32339,6 @@
               </a:rPr>
               <a:t>, </a:t>
             </a:r>
-            <a:r>
-              <a:rPr lang="en-US" sz="2400">
-                <a:latin typeface="Consolas" panose="020B0609020204030204" pitchFamily="49" charset="0"/>
-              </a:rPr>
-              <a:t/>
-            </a:r>
             <a:br>
               <a:rPr lang="en-US" sz="2400">
                 <a:latin typeface="Consolas" panose="020B0609020204030204" pitchFamily="49" charset="0"/>
@@ -32455,13 +32348,7 @@
               <a:rPr lang="en-US" sz="2400" smtClean="0">
                 <a:latin typeface="Consolas" panose="020B0609020204030204" pitchFamily="49" charset="0"/>
               </a:rPr>
-              <a:t>      self.</a:t>
-            </a:r>
-            <a:r>
-              <a:rPr lang="en-US" sz="2400" smtClean="0">
-                <a:latin typeface="Consolas" panose="020B0609020204030204" pitchFamily="49" charset="0"/>
-              </a:rPr>
-              <a:t>score </a:t>
+              <a:t>      self.score </a:t>
             </a:r>
             <a:r>
               <a:rPr lang="en-US" sz="2400">
@@ -35003,146 +34890,26 @@
               <a:rPr lang="en-US" sz="1500">
                 <a:latin typeface="Consolas" panose="020B0609020204030204" pitchFamily="49" charset="0"/>
               </a:rPr>
-              <a:t>def compare_stacks(first, second) {</a:t>
-            </a:r>
-          </a:p>
-          <a:p>
+              <a:t>def </a:t>
+            </a:r>
+            <a:r>
+              <a:rPr lang="en-US" sz="1500" smtClean="0">
+                <a:latin typeface="Consolas" panose="020B0609020204030204" pitchFamily="49" charset="0"/>
+              </a:rPr>
+              <a:t>compare_stacks(self, first</a:t>
+            </a:r>
             <a:r>
               <a:rPr lang="en-US" sz="1500">
                 <a:latin typeface="Consolas" panose="020B0609020204030204" pitchFamily="49" charset="0"/>
               </a:rPr>
-              <a:t>    merged = None</a:t>
-            </a:r>
-          </a:p>
-          <a:p>
-            <a:r>
-              <a:rPr lang="en-US" sz="1500">
-                <a:latin typeface="Consolas" panose="020B0609020204030204" pitchFamily="49" charset="0"/>
-              </a:rPr>
-              <a:t>    for i in range(len(first)):</a:t>
-            </a:r>
-          </a:p>
-          <a:p>
-            <a:r>
-              <a:rPr lang="en-US" sz="1500">
-                <a:latin typeface="Consolas" panose="020B0609020204030204" pitchFamily="49" charset="0"/>
-              </a:rPr>
-              <a:t>        first_CLI_type = self.to_CLI_type(first[i])</a:t>
-            </a:r>
-          </a:p>
-          <a:p>
-            <a:r>
-              <a:rPr lang="en-US" sz="1500">
-                <a:latin typeface="Consolas" panose="020B0609020204030204" pitchFamily="49" charset="0"/>
-              </a:rPr>
-              <a:t>        second_CLI_type = self.to_CLI_type(second[i])</a:t>
-            </a:r>
-          </a:p>
-          <a:p>
-            <a:r>
-              <a:rPr lang="en-US" sz="1500">
-                <a:latin typeface="Consolas" panose="020B0609020204030204" pitchFamily="49" charset="0"/>
-              </a:rPr>
-              <a:t>        if first_CLI_type != second_CLI_type:</a:t>
-            </a:r>
-          </a:p>
-          <a:p>
-            <a:r>
-              <a:rPr lang="en-US" sz="1500">
-                <a:latin typeface="Consolas" panose="020B0609020204030204" pitchFamily="49" charset="0"/>
-              </a:rPr>
-              <a:t>            return {"result": ComparisonResult.Inconsistent}</a:t>
-            </a:r>
-          </a:p>
-          <a:p>
-            <a:r>
-              <a:rPr lang="en-US" sz="1500">
-                <a:latin typeface="Consolas" panose="020B0609020204030204" pitchFamily="49" charset="0"/>
-              </a:rPr>
-              <a:t>        if not self.equal_ES_types(first[i], second[i]):</a:t>
-            </a:r>
-          </a:p>
-          <a:p>
-            <a:r>
-              <a:rPr lang="en-US" sz="1500">
-                <a:latin typeface="Consolas" panose="020B0609020204030204" pitchFamily="49" charset="0"/>
-              </a:rPr>
-              <a:t>            common = self.find_common_type(first_CLI_type, first[i], second[i])</a:t>
-            </a:r>
-          </a:p>
-          <a:p>
-            <a:r>
-              <a:rPr lang="en-US" sz="1500">
-                <a:latin typeface="Consolas" panose="020B0609020204030204" pitchFamily="49" charset="0"/>
-              </a:rPr>
-              <a:t>            if not common:</a:t>
-            </a:r>
-          </a:p>
-          <a:p>
-            <a:r>
-              <a:rPr lang="en-US" sz="1500">
-                <a:latin typeface="Consolas" panose="020B0609020204030204" pitchFamily="49" charset="0"/>
-              </a:rPr>
-              <a:t>                return {"result": ComparisonResult.Inconsistent}</a:t>
-            </a:r>
-          </a:p>
-          <a:p>
-            <a:r>
-              <a:rPr lang="en-US" sz="1500">
-                <a:latin typeface="Consolas" panose="020B0609020204030204" pitchFamily="49" charset="0"/>
-              </a:rPr>
-              <a:t>            if not merged:</a:t>
-            </a:r>
-          </a:p>
-          <a:p>
-            <a:r>
-              <a:rPr lang="en-US" sz="1500">
-                <a:latin typeface="Consolas" panose="020B0609020204030204" pitchFamily="49" charset="0"/>
-              </a:rPr>
-              <a:t>                merged = ESType(len(first))</a:t>
-            </a:r>
-          </a:p>
-          <a:p>
-            <a:r>
-              <a:rPr lang="en-US" sz="1500">
-                <a:latin typeface="Consolas" panose="020B0609020204030204" pitchFamily="49" charset="0"/>
-              </a:rPr>
-              <a:t>                for j in range(i):</a:t>
-            </a:r>
-          </a:p>
-          <a:p>
-            <a:r>
-              <a:rPr lang="en-US" sz="1500">
-                <a:latin typeface="Consolas" panose="020B0609020204030204" pitchFamily="49" charset="0"/>
-              </a:rPr>
-              <a:t>                    merged[j] = first[j]</a:t>
-            </a:r>
-          </a:p>
-          <a:p>
-            <a:r>
-              <a:rPr lang="en-US" sz="1500">
-                <a:latin typeface="Consolas" panose="020B0609020204030204" pitchFamily="49" charset="0"/>
-              </a:rPr>
-              <a:t>            merged[i] = common</a:t>
-            </a:r>
-          </a:p>
-          <a:p>
-            <a:r>
-              <a:rPr lang="en-US" sz="1500">
-                <a:latin typeface="Consolas" panose="020B0609020204030204" pitchFamily="49" charset="0"/>
-              </a:rPr>
-              <a:t>        else if merged:</a:t>
-            </a:r>
-          </a:p>
-          <a:p>
-            <a:r>
-              <a:rPr lang="en-US" sz="1500">
-                <a:latin typeface="Consolas" panose="020B0609020204030204" pitchFamily="49" charset="0"/>
-              </a:rPr>
-              <a:t>            merged[i] = first[i]</a:t>
-            </a:r>
-          </a:p>
-          <a:p>
+              <a:t>, second</a:t>
+            </a:r>
+            <a:r>
+              <a:rPr lang="en-US" sz="1500" smtClean="0">
+                <a:latin typeface="Consolas" panose="020B0609020204030204" pitchFamily="49" charset="0"/>
+              </a:rPr>
+              <a:t>)</a:t>
+            </a:r>
             <a:endParaRPr lang="en-US" sz="1500">
               <a:latin typeface="Consolas" panose="020B0609020204030204" pitchFamily="49" charset="0"/>
             </a:endParaRPr>
@@ -35152,6 +34919,147 @@
               <a:rPr lang="en-US" sz="1500">
                 <a:latin typeface="Consolas" panose="020B0609020204030204" pitchFamily="49" charset="0"/>
               </a:rPr>
+              <a:t>    merged = None</a:t>
+            </a:r>
+          </a:p>
+          <a:p>
+            <a:r>
+              <a:rPr lang="en-US" sz="1500">
+                <a:latin typeface="Consolas" panose="020B0609020204030204" pitchFamily="49" charset="0"/>
+              </a:rPr>
+              <a:t>    for i in range(len(first)):</a:t>
+            </a:r>
+          </a:p>
+          <a:p>
+            <a:r>
+              <a:rPr lang="en-US" sz="1500">
+                <a:latin typeface="Consolas" panose="020B0609020204030204" pitchFamily="49" charset="0"/>
+              </a:rPr>
+              <a:t>        first_CLI_type = self.to_CLI_type(first[i])</a:t>
+            </a:r>
+          </a:p>
+          <a:p>
+            <a:r>
+              <a:rPr lang="en-US" sz="1500">
+                <a:latin typeface="Consolas" panose="020B0609020204030204" pitchFamily="49" charset="0"/>
+              </a:rPr>
+              <a:t>        second_CLI_type = self.to_CLI_type(second[i])</a:t>
+            </a:r>
+          </a:p>
+          <a:p>
+            <a:r>
+              <a:rPr lang="en-US" sz="1500">
+                <a:latin typeface="Consolas" panose="020B0609020204030204" pitchFamily="49" charset="0"/>
+              </a:rPr>
+              <a:t>        if first_CLI_type != second_CLI_type:</a:t>
+            </a:r>
+          </a:p>
+          <a:p>
+            <a:r>
+              <a:rPr lang="en-US" sz="1500">
+                <a:latin typeface="Consolas" panose="020B0609020204030204" pitchFamily="49" charset="0"/>
+              </a:rPr>
+              <a:t>            return {"result": ComparisonResult.Inconsistent}</a:t>
+            </a:r>
+          </a:p>
+          <a:p>
+            <a:r>
+              <a:rPr lang="en-US" sz="1500">
+                <a:latin typeface="Consolas" panose="020B0609020204030204" pitchFamily="49" charset="0"/>
+              </a:rPr>
+              <a:t>        if not self.equal_ES_types(first[i], second[i]):</a:t>
+            </a:r>
+          </a:p>
+          <a:p>
+            <a:r>
+              <a:rPr lang="en-US" sz="1500">
+                <a:latin typeface="Consolas" panose="020B0609020204030204" pitchFamily="49" charset="0"/>
+              </a:rPr>
+              <a:t>            common = self.find_common_type(first_CLI_type, first[i], second[i])</a:t>
+            </a:r>
+          </a:p>
+          <a:p>
+            <a:r>
+              <a:rPr lang="en-US" sz="1500">
+                <a:latin typeface="Consolas" panose="020B0609020204030204" pitchFamily="49" charset="0"/>
+              </a:rPr>
+              <a:t>            if not common:</a:t>
+            </a:r>
+          </a:p>
+          <a:p>
+            <a:r>
+              <a:rPr lang="en-US" sz="1500">
+                <a:latin typeface="Consolas" panose="020B0609020204030204" pitchFamily="49" charset="0"/>
+              </a:rPr>
+              <a:t>                return {"result": ComparisonResult.Inconsistent}</a:t>
+            </a:r>
+          </a:p>
+          <a:p>
+            <a:r>
+              <a:rPr lang="en-US" sz="1500">
+                <a:latin typeface="Consolas" panose="020B0609020204030204" pitchFamily="49" charset="0"/>
+              </a:rPr>
+              <a:t>            if not merged:</a:t>
+            </a:r>
+          </a:p>
+          <a:p>
+            <a:r>
+              <a:rPr lang="en-US" sz="1500">
+                <a:latin typeface="Consolas" panose="020B0609020204030204" pitchFamily="49" charset="0"/>
+              </a:rPr>
+              <a:t>                merged = ESType(len(first))</a:t>
+            </a:r>
+          </a:p>
+          <a:p>
+            <a:r>
+              <a:rPr lang="en-US" sz="1500">
+                <a:latin typeface="Consolas" panose="020B0609020204030204" pitchFamily="49" charset="0"/>
+              </a:rPr>
+              <a:t>                for j in range(i):</a:t>
+            </a:r>
+          </a:p>
+          <a:p>
+            <a:r>
+              <a:rPr lang="en-US" sz="1500">
+                <a:latin typeface="Consolas" panose="020B0609020204030204" pitchFamily="49" charset="0"/>
+              </a:rPr>
+              <a:t>                    merged[j] = first[j]</a:t>
+            </a:r>
+          </a:p>
+          <a:p>
+            <a:r>
+              <a:rPr lang="en-US" sz="1500">
+                <a:latin typeface="Consolas" panose="020B0609020204030204" pitchFamily="49" charset="0"/>
+              </a:rPr>
+              <a:t>            merged[i] = common</a:t>
+            </a:r>
+          </a:p>
+          <a:p>
+            <a:r>
+              <a:rPr lang="en-US" sz="1500">
+                <a:latin typeface="Consolas" panose="020B0609020204030204" pitchFamily="49" charset="0"/>
+              </a:rPr>
+              <a:t>        else if merged:</a:t>
+            </a:r>
+          </a:p>
+          <a:p>
+            <a:r>
+              <a:rPr lang="en-US" sz="1500">
+                <a:latin typeface="Consolas" panose="020B0609020204030204" pitchFamily="49" charset="0"/>
+              </a:rPr>
+              <a:t>            merged[i] = first[i]</a:t>
+            </a:r>
+          </a:p>
+          <a:p>
+            <a:endParaRPr lang="en-US" sz="1500">
+              <a:latin typeface="Consolas" panose="020B0609020204030204" pitchFamily="49" charset="0"/>
+            </a:endParaRPr>
+          </a:p>
+          <a:p>
+            <a:r>
+              <a:rPr lang="en-US" sz="1500">
+                <a:latin typeface="Consolas" panose="020B0609020204030204" pitchFamily="49" charset="0"/>
+              </a:rPr>
               <a:t>    if not merged:</a:t>
             </a:r>
           </a:p>
@@ -35168,13 +35076,7 @@
               <a:rPr lang="en-US" sz="1500">
                 <a:latin typeface="Consolas" panose="020B0609020204030204" pitchFamily="49" charset="0"/>
               </a:rPr>
-              <a:t>    return {"result": ComparisonResult.Equivalent, "merged": </a:t>
-            </a:r>
-            <a:r>
-              <a:rPr lang="en-US" sz="1500">
-                <a:latin typeface="Consolas" panose="020B0609020204030204" pitchFamily="49" charset="0"/>
-              </a:rPr>
-              <a:t>merged</a:t>
+              <a:t>    return {"result": ComparisonResult.Equivalent, "merged": merged</a:t>
             </a:r>
             <a:r>
               <a:rPr lang="en-US" sz="1500" smtClean="0">
@@ -37017,13 +36919,13 @@
               <a:rPr lang="en-US" sz="1900" smtClean="0">
                 <a:latin typeface="Consolas" panose="020B0609020204030204" pitchFamily="49" charset="0"/>
               </a:rPr>
-              <a:t>def </a:t>
+              <a:t>def compare_stacks(self, first</a:t>
             </a:r>
             <a:r>
               <a:rPr lang="en-US" sz="1900">
                 <a:latin typeface="Consolas" panose="020B0609020204030204" pitchFamily="49" charset="0"/>
               </a:rPr>
-              <a:t>compare_stacks(first, second)</a:t>
+              <a:t>, second)</a:t>
             </a:r>
           </a:p>
           <a:p>
@@ -37057,13 +36959,7 @@
               <a:rPr lang="en-US" sz="1900">
                 <a:latin typeface="Consolas" panose="020B0609020204030204" pitchFamily="49" charset="0"/>
               </a:rPr>
-              <a:t>all(map(self.equal_ES_types, first, second</a:t>
-            </a:r>
-            <a:r>
-              <a:rPr lang="en-US" sz="1900">
-                <a:latin typeface="Consolas" panose="020B0609020204030204" pitchFamily="49" charset="0"/>
-              </a:rPr>
-              <a:t>)): </a:t>
+              <a:t>all(map(self.equal_ES_types, first, second)): </a:t>
             </a:r>
             <a:endParaRPr lang="en-US" sz="1900" smtClean="0">
               <a:latin typeface="Consolas" panose="020B0609020204030204" pitchFamily="49" charset="0"/>
@@ -37100,13 +36996,7 @@
               <a:rPr lang="en-US" sz="1900">
                 <a:latin typeface="Consolas" panose="020B0609020204030204" pitchFamily="49" charset="0"/>
               </a:rPr>
-              <a:t>not all(map(self.compatible_CLI_type, first, second</a:t>
-            </a:r>
-            <a:r>
-              <a:rPr lang="en-US" sz="1900">
-                <a:latin typeface="Consolas" panose="020B0609020204030204" pitchFamily="49" charset="0"/>
-              </a:rPr>
-              <a:t>)): </a:t>
+              <a:t>not all(map(self.compatible_CLI_type, first, second)): </a:t>
             </a:r>
             <a:endParaRPr lang="en-US" sz="1900" smtClean="0">
               <a:latin typeface="Consolas" panose="020B0609020204030204" pitchFamily="49" charset="0"/>
@@ -37169,13 +37059,7 @@
               <a:rPr lang="en-US" sz="1900">
                 <a:latin typeface="Consolas" panose="020B0609020204030204" pitchFamily="49" charset="0"/>
               </a:rPr>
-              <a:t>not all(common_types</a:t>
-            </a:r>
-            <a:r>
-              <a:rPr lang="en-US" sz="1900">
-                <a:latin typeface="Consolas" panose="020B0609020204030204" pitchFamily="49" charset="0"/>
-              </a:rPr>
-              <a:t>): </a:t>
+              <a:t>not all(common_types): </a:t>
             </a:r>
             <a:endParaRPr lang="en-US" sz="1900" smtClean="0">
               <a:latin typeface="Consolas" panose="020B0609020204030204" pitchFamily="49" charset="0"/>
@@ -37218,19 +37102,7 @@
               <a:rPr lang="en-US" sz="1900">
                 <a:latin typeface="Consolas" panose="020B0609020204030204" pitchFamily="49" charset="0"/>
               </a:rPr>
-              <a:t>{"result": ComparisonResult.Equivalent, "merged</a:t>
-            </a:r>
-            <a:r>
-              <a:rPr lang="en-US" sz="1900">
-                <a:latin typeface="Consolas" panose="020B0609020204030204" pitchFamily="49" charset="0"/>
-              </a:rPr>
-              <a:t>": </a:t>
-            </a:r>
-            <a:r>
-              <a:rPr lang="en-US" sz="1900">
-                <a:latin typeface="Consolas" panose="020B0609020204030204" pitchFamily="49" charset="0"/>
-              </a:rPr>
-              <a:t>common_types</a:t>
+              <a:t>{"result": ComparisonResult.Equivalent, "merged": common_types</a:t>
             </a:r>
             <a:r>
               <a:rPr lang="en-US" sz="1900" smtClean="0">
@@ -41201,6 +41073,73 @@
 </file>
 
 <file path=customXml/item1.xml><?xml version="1.0" encoding="utf-8"?>
+<?mso-contentType ?>
+<FormTemplates xmlns="http://schemas.microsoft.com/sharepoint/v3/contenttype/forms">
+  <Display>DocumentLibraryForm</Display>
+  <Edit>DocumentLibraryForm</Edit>
+  <New>DocumentLibraryForm</New>
+</FormTemplates>
+</file>
+
+<file path=customXml/item2.xml><?xml version="1.0" encoding="utf-8"?>
+<?mso-contentType ?>
+<spe:Receivers xmlns:spe="http://schemas.microsoft.com/sharepoint/events">
+  <Receiver>
+    <Name>Document ID Generator</Name>
+    <Synchronization>Synchronous</Synchronization>
+    <Type>10001</Type>
+    <SequenceNumber>1000</SequenceNumber>
+    <Assembly>Microsoft.Office.DocumentManagement, Version=14.0.0.0, Culture=neutral, PublicKeyToken=71e9bce111e9429c</Assembly>
+    <Class>Microsoft.Office.DocumentManagement.Internal.DocIdHandler</Class>
+    <Data/>
+    <Filter/>
+  </Receiver>
+  <Receiver>
+    <Name>Document ID Generator</Name>
+    <Synchronization>Synchronous</Synchronization>
+    <Type>10002</Type>
+    <SequenceNumber>1001</SequenceNumber>
+    <Assembly>Microsoft.Office.DocumentManagement, Version=14.0.0.0, Culture=neutral, PublicKeyToken=71e9bce111e9429c</Assembly>
+    <Class>Microsoft.Office.DocumentManagement.Internal.DocIdHandler</Class>
+    <Data/>
+    <Filter/>
+  </Receiver>
+  <Receiver>
+    <Name>Document ID Generator</Name>
+    <Synchronization>Synchronous</Synchronization>
+    <Type>10004</Type>
+    <SequenceNumber>1002</SequenceNumber>
+    <Assembly>Microsoft.Office.DocumentManagement, Version=14.0.0.0, Culture=neutral, PublicKeyToken=71e9bce111e9429c</Assembly>
+    <Class>Microsoft.Office.DocumentManagement.Internal.DocIdHandler</Class>
+    <Data/>
+    <Filter/>
+  </Receiver>
+  <Receiver>
+    <Name>Document ID Generator</Name>
+    <Synchronization>Synchronous</Synchronization>
+    <Type>10006</Type>
+    <SequenceNumber>1003</SequenceNumber>
+    <Assembly>Microsoft.Office.DocumentManagement, Version=14.0.0.0, Culture=neutral, PublicKeyToken=71e9bce111e9429c</Assembly>
+    <Class>Microsoft.Office.DocumentManagement.Internal.DocIdHandler</Class>
+    <Data/>
+    <Filter/>
+  </Receiver>
+</spe:Receivers>
+</file>
+
+<file path=customXml/item3.xml><?xml version="1.0" encoding="utf-8"?>
+<p:properties xmlns:p="http://schemas.microsoft.com/office/2006/metadata/properties" xmlns:xsi="http://www.w3.org/2001/XMLSchema-instance" xmlns:pc="http://schemas.microsoft.com/office/infopath/2007/PartnerControls">
+  <documentManagement>
+    <_dlc_DocId xmlns="0c9149cd-f996-4d9e-91c9-ce8e5945528f">KQK76PRV35WE-1143-163</_dlc_DocId>
+    <_dlc_DocIdUrl xmlns="0c9149cd-f996-4d9e-91c9-ce8e5945528f">
+      <Url>https://sps.skbkontur.ru/Services/officespace/_layouts/DocIdRedir.aspx?ID=KQK76PRV35WE-1143-163</Url>
+      <Description>KQK76PRV35WE-1143-163</Description>
+    </_dlc_DocIdUrl>
+  </documentManagement>
+</p:properties>
+</file>
+
+<file path=customXml/item4.xml><?xml version="1.0" encoding="utf-8"?>
 <ct:contentTypeSchema xmlns:ct="http://schemas.microsoft.com/office/2006/metadata/contentType" xmlns:ma="http://schemas.microsoft.com/office/2006/metadata/properties/metaAttributes" ct:_="" ma:_="" ma:contentTypeName="Документ" ma:contentTypeID="0x010100E346D4429ECB76409F7994AE89987FCA" ma:contentTypeVersion="0" ma:contentTypeDescription="Создание документа." ma:contentTypeScope="" ma:versionID="3cbcf180bdc4db4d624f0fe699415cfd">
   <xsd:schema xmlns:xsd="http://www.w3.org/2001/XMLSchema" xmlns:xs="http://www.w3.org/2001/XMLSchema" xmlns:p="http://schemas.microsoft.com/office/2006/metadata/properties" xmlns:ns2="0c9149cd-f996-4d9e-91c9-ce8e5945528f" targetNamespace="http://schemas.microsoft.com/office/2006/metadata/properties" ma:root="true" ma:fieldsID="8c6f0fecba2eaac0d733b3b653b3f5ff" ns2:_="">
     <xsd:import namespace="0c9149cd-f996-4d9e-91c9-ce8e5945528f"/>
@@ -41345,74 +41284,39 @@
 </ct:contentTypeSchema>
 </file>
 
-<file path=customXml/item2.xml><?xml version="1.0" encoding="utf-8"?>
-<p:properties xmlns:p="http://schemas.microsoft.com/office/2006/metadata/properties" xmlns:xsi="http://www.w3.org/2001/XMLSchema-instance" xmlns:pc="http://schemas.microsoft.com/office/infopath/2007/PartnerControls">
-  <documentManagement>
-    <_dlc_DocId xmlns="0c9149cd-f996-4d9e-91c9-ce8e5945528f">KQK76PRV35WE-1143-163</_dlc_DocId>
-    <_dlc_DocIdUrl xmlns="0c9149cd-f996-4d9e-91c9-ce8e5945528f">
-      <Url>https://sps.skbkontur.ru/Services/officespace/_layouts/DocIdRedir.aspx?ID=KQK76PRV35WE-1143-163</Url>
-      <Description>KQK76PRV35WE-1143-163</Description>
-    </_dlc_DocIdUrl>
-  </documentManagement>
-</p:properties>
+<file path=customXml/itemProps1.xml><?xml version="1.0" encoding="utf-8"?>
+<ds:datastoreItem xmlns:ds="http://schemas.openxmlformats.org/officeDocument/2006/customXml" ds:itemID="{3C9FC0A9-D1C6-450E-992B-D3422A85EAB3}">
+  <ds:schemaRefs>
+    <ds:schemaRef ds:uri="http://schemas.microsoft.com/sharepoint/v3/contenttype/forms"/>
+  </ds:schemaRefs>
+</ds:datastoreItem>
 </file>
 
-<file path=customXml/item3.xml><?xml version="1.0" encoding="utf-8"?>
-<?mso-contentType ?>
-<spe:Receivers xmlns:spe="http://schemas.microsoft.com/sharepoint/events">
-  <Receiver>
-    <Name>Document ID Generator</Name>
-    <Synchronization>Synchronous</Synchronization>
-    <Type>10001</Type>
-    <SequenceNumber>1000</SequenceNumber>
-    <Assembly>Microsoft.Office.DocumentManagement, Version=14.0.0.0, Culture=neutral, PublicKeyToken=71e9bce111e9429c</Assembly>
-    <Class>Microsoft.Office.DocumentManagement.Internal.DocIdHandler</Class>
-    <Data/>
-    <Filter/>
-  </Receiver>
-  <Receiver>
-    <Name>Document ID Generator</Name>
-    <Synchronization>Synchronous</Synchronization>
-    <Type>10002</Type>
-    <SequenceNumber>1001</SequenceNumber>
-    <Assembly>Microsoft.Office.DocumentManagement, Version=14.0.0.0, Culture=neutral, PublicKeyToken=71e9bce111e9429c</Assembly>
-    <Class>Microsoft.Office.DocumentManagement.Internal.DocIdHandler</Class>
-    <Data/>
-    <Filter/>
-  </Receiver>
-  <Receiver>
-    <Name>Document ID Generator</Name>
-    <Synchronization>Synchronous</Synchronization>
-    <Type>10004</Type>
-    <SequenceNumber>1002</SequenceNumber>
-    <Assembly>Microsoft.Office.DocumentManagement, Version=14.0.0.0, Culture=neutral, PublicKeyToken=71e9bce111e9429c</Assembly>
-    <Class>Microsoft.Office.DocumentManagement.Internal.DocIdHandler</Class>
-    <Data/>
-    <Filter/>
-  </Receiver>
-  <Receiver>
-    <Name>Document ID Generator</Name>
-    <Synchronization>Synchronous</Synchronization>
-    <Type>10006</Type>
-    <SequenceNumber>1003</SequenceNumber>
-    <Assembly>Microsoft.Office.DocumentManagement, Version=14.0.0.0, Culture=neutral, PublicKeyToken=71e9bce111e9429c</Assembly>
-    <Class>Microsoft.Office.DocumentManagement.Internal.DocIdHandler</Class>
-    <Data/>
-    <Filter/>
-  </Receiver>
-</spe:Receivers>
+<file path=customXml/itemProps2.xml><?xml version="1.0" encoding="utf-8"?>
+<ds:datastoreItem xmlns:ds="http://schemas.openxmlformats.org/officeDocument/2006/customXml" ds:itemID="{4D57F3B4-626C-48E6-A3BF-29668BFEB3E8}">
+  <ds:schemaRefs>
+    <ds:schemaRef ds:uri="http://schemas.microsoft.com/sharepoint/events"/>
+  </ds:schemaRefs>
+</ds:datastoreItem>
 </file>
 
-<file path=customXml/item4.xml><?xml version="1.0" encoding="utf-8"?>
-<?mso-contentType ?>
-<FormTemplates xmlns="http://schemas.microsoft.com/sharepoint/v3/contenttype/forms">
-  <Display>DocumentLibraryForm</Display>
-  <Edit>DocumentLibraryForm</Edit>
-  <New>DocumentLibraryForm</New>
-</FormTemplates>
+<file path=customXml/itemProps3.xml><?xml version="1.0" encoding="utf-8"?>
+<ds:datastoreItem xmlns:ds="http://schemas.openxmlformats.org/officeDocument/2006/customXml" ds:itemID="{45CE6859-96AE-4F55-91FD-B1143C1F920F}">
+  <ds:schemaRefs>
+    <ds:schemaRef ds:uri="http://purl.org/dc/terms/"/>
+    <ds:schemaRef ds:uri="http://schemas.microsoft.com/office/2006/metadata/properties"/>
+    <ds:schemaRef ds:uri="http://schemas.microsoft.com/office/2006/documentManagement/types"/>
+    <ds:schemaRef ds:uri="http://purl.org/dc/elements/1.1/"/>
+    <ds:schemaRef ds:uri="http://schemas.microsoft.com/office/infopath/2007/PartnerControls"/>
+    <ds:schemaRef ds:uri="http://schemas.openxmlformats.org/package/2006/metadata/core-properties"/>
+    <ds:schemaRef ds:uri="0c9149cd-f996-4d9e-91c9-ce8e5945528f"/>
+    <ds:schemaRef ds:uri="http://www.w3.org/XML/1998/namespace"/>
+    <ds:schemaRef ds:uri="http://purl.org/dc/dcmitype/"/>
+  </ds:schemaRefs>
+</ds:datastoreItem>
 </file>
 
-<file path=customXml/itemProps1.xml><?xml version="1.0" encoding="utf-8"?>
+<file path=customXml/itemProps4.xml><?xml version="1.0" encoding="utf-8"?>
 <ds:datastoreItem xmlns:ds="http://schemas.openxmlformats.org/officeDocument/2006/customXml" ds:itemID="{392A0E88-C45E-4035-ACB1-85AF74E6A851}">
   <ds:schemaRefs>
     <ds:schemaRef ds:uri="http://schemas.microsoft.com/office/2006/metadata/contentType"/>
@@ -41428,36 +41332,4 @@
     <ds:schemaRef ds:uri="http://schemas.microsoft.com/internal/obd"/>
   </ds:schemaRefs>
 </ds:datastoreItem>
-</file>
-
-<file path=customXml/itemProps2.xml><?xml version="1.0" encoding="utf-8"?>
-<ds:datastoreItem xmlns:ds="http://schemas.openxmlformats.org/officeDocument/2006/customXml" ds:itemID="{45CE6859-96AE-4F55-91FD-B1143C1F920F}">
-  <ds:schemaRefs>
-    <ds:schemaRef ds:uri="http://purl.org/dc/terms/"/>
-    <ds:schemaRef ds:uri="http://schemas.microsoft.com/office/2006/metadata/properties"/>
-    <ds:schemaRef ds:uri="http://schemas.microsoft.com/office/2006/documentManagement/types"/>
-    <ds:schemaRef ds:uri="http://purl.org/dc/elements/1.1/"/>
-    <ds:schemaRef ds:uri="http://schemas.microsoft.com/office/infopath/2007/PartnerControls"/>
-    <ds:schemaRef ds:uri="http://schemas.openxmlformats.org/package/2006/metadata/core-properties"/>
-    <ds:schemaRef ds:uri="0c9149cd-f996-4d9e-91c9-ce8e5945528f"/>
-    <ds:schemaRef ds:uri="http://www.w3.org/XML/1998/namespace"/>
-    <ds:schemaRef ds:uri="http://purl.org/dc/dcmitype/"/>
-  </ds:schemaRefs>
-</ds:datastoreItem>
-</file>
-
-<file path=customXml/itemProps3.xml><?xml version="1.0" encoding="utf-8"?>
-<ds:datastoreItem xmlns:ds="http://schemas.openxmlformats.org/officeDocument/2006/customXml" ds:itemID="{4D57F3B4-626C-48E6-A3BF-29668BFEB3E8}">
-  <ds:schemaRefs>
-    <ds:schemaRef ds:uri="http://schemas.microsoft.com/sharepoint/events"/>
-  </ds:schemaRefs>
-</ds:datastoreItem>
-</file>
-
-<file path=customXml/itemProps4.xml><?xml version="1.0" encoding="utf-8"?>
-<ds:datastoreItem xmlns:ds="http://schemas.openxmlformats.org/officeDocument/2006/customXml" ds:itemID="{3C9FC0A9-D1C6-450E-992B-D3422A85EAB3}">
-  <ds:schemaRefs>
-    <ds:schemaRef ds:uri="http://schemas.microsoft.com/sharepoint/v3/contenttype/forms"/>
-  </ds:schemaRefs>
-</ds:datastoreItem>
 </file>